--- a/lezioni/H 10 flessione di sezioni non simmetriche.pptx
+++ b/lezioni/H 10 flessione di sezioni non simmetriche.pptx
@@ -11,8 +11,6 @@
     <p:sldId id="261" r:id="rId5"/>
     <p:sldId id="262" r:id="rId6"/>
     <p:sldId id="263" r:id="rId7"/>
-    <p:sldId id="258" r:id="rId8"/>
-    <p:sldId id="259" r:id="rId9"/>
   </p:sldIdLst>
   <p:sldSz cx="12192000" cy="6858000"/>
   <p:notesSz cx="6858000" cy="9144000"/>
@@ -119,6 +117,49 @@
 </p:presentation>
 </file>
 
+<file path=ppt/changesInfos/changesInfo1.xml><?xml version="1.0" encoding="utf-8"?>
+<pc:chgInfo xmlns:a="http://schemas.openxmlformats.org/drawingml/2006/main" xmlns:r="http://schemas.openxmlformats.org/officeDocument/2006/relationships" xmlns:ac="http://schemas.microsoft.com/office/drawing/2013/main/command" xmlns:pc="http://schemas.microsoft.com/office/powerpoint/2013/main/command">
+  <pc:docChgLst>
+    <pc:chgData name="Giuseppe Tomassetti" userId="602e5fa9-ac8c-4882-a6c6-5d2537fdee56" providerId="ADAL" clId="{5EE8703F-2ACB-9D4E-A55B-B1FBDBEB4E3D}"/>
+    <pc:docChg chg="delSld modSld">
+      <pc:chgData name="Giuseppe Tomassetti" userId="602e5fa9-ac8c-4882-a6c6-5d2537fdee56" providerId="ADAL" clId="{5EE8703F-2ACB-9D4E-A55B-B1FBDBEB4E3D}" dt="2023-12-16T17:11:24.406" v="35" actId="20577"/>
+      <pc:docMkLst>
+        <pc:docMk/>
+      </pc:docMkLst>
+      <pc:sldChg chg="modSp mod">
+        <pc:chgData name="Giuseppe Tomassetti" userId="602e5fa9-ac8c-4882-a6c6-5d2537fdee56" providerId="ADAL" clId="{5EE8703F-2ACB-9D4E-A55B-B1FBDBEB4E3D}" dt="2023-12-16T17:11:24.406" v="35" actId="20577"/>
+        <pc:sldMkLst>
+          <pc:docMk/>
+          <pc:sldMk cId="3223621509" sldId="256"/>
+        </pc:sldMkLst>
+        <pc:spChg chg="mod">
+          <ac:chgData name="Giuseppe Tomassetti" userId="602e5fa9-ac8c-4882-a6c6-5d2537fdee56" providerId="ADAL" clId="{5EE8703F-2ACB-9D4E-A55B-B1FBDBEB4E3D}" dt="2023-12-16T17:11:24.406" v="35" actId="20577"/>
+          <ac:spMkLst>
+            <pc:docMk/>
+            <pc:sldMk cId="3223621509" sldId="256"/>
+            <ac:spMk id="2" creationId="{E230F28A-9C8E-75F5-8312-3DA058A370DC}"/>
+          </ac:spMkLst>
+        </pc:spChg>
+      </pc:sldChg>
+      <pc:sldChg chg="del">
+        <pc:chgData name="Giuseppe Tomassetti" userId="602e5fa9-ac8c-4882-a6c6-5d2537fdee56" providerId="ADAL" clId="{5EE8703F-2ACB-9D4E-A55B-B1FBDBEB4E3D}" dt="2023-12-16T17:09:18.177" v="0" actId="2696"/>
+        <pc:sldMkLst>
+          <pc:docMk/>
+          <pc:sldMk cId="1256274895" sldId="258"/>
+        </pc:sldMkLst>
+      </pc:sldChg>
+      <pc:sldChg chg="del">
+        <pc:chgData name="Giuseppe Tomassetti" userId="602e5fa9-ac8c-4882-a6c6-5d2537fdee56" providerId="ADAL" clId="{5EE8703F-2ACB-9D4E-A55B-B1FBDBEB4E3D}" dt="2023-12-16T17:09:18.182" v="1" actId="2696"/>
+        <pc:sldMkLst>
+          <pc:docMk/>
+          <pc:sldMk cId="1486116907" sldId="259"/>
+        </pc:sldMkLst>
+      </pc:sldChg>
+    </pc:docChg>
+  </pc:docChgLst>
+</pc:chgInfo>
+</file>
+
 <file path=ppt/slideLayouts/slideLayout1.xml><?xml version="1.0" encoding="utf-8"?>
 <p:sldLayout xmlns:a="http://schemas.openxmlformats.org/drawingml/2006/main" xmlns:r="http://schemas.openxmlformats.org/officeDocument/2006/relationships" xmlns:p="http://schemas.openxmlformats.org/presentationml/2006/main" type="title" preserve="1">
   <p:cSld name="Title Slide">
@@ -268,7 +309,7 @@
           <a:p>
             <a:fld id="{3BDD3D5A-8E67-5243-BC2D-59F88EBAE7D4}" type="datetimeFigureOut">
               <a:rPr lang="en-IT" smtClean="0"/>
-              <a:t>31/10/23</a:t>
+              <a:t>16/12/23</a:t>
             </a:fld>
             <a:endParaRPr lang="en-IT"/>
           </a:p>
@@ -468,7 +509,7 @@
           <a:p>
             <a:fld id="{3BDD3D5A-8E67-5243-BC2D-59F88EBAE7D4}" type="datetimeFigureOut">
               <a:rPr lang="en-IT" smtClean="0"/>
-              <a:t>31/10/23</a:t>
+              <a:t>16/12/23</a:t>
             </a:fld>
             <a:endParaRPr lang="en-IT"/>
           </a:p>
@@ -678,7 +719,7 @@
           <a:p>
             <a:fld id="{3BDD3D5A-8E67-5243-BC2D-59F88EBAE7D4}" type="datetimeFigureOut">
               <a:rPr lang="en-IT" smtClean="0"/>
-              <a:t>31/10/23</a:t>
+              <a:t>16/12/23</a:t>
             </a:fld>
             <a:endParaRPr lang="en-IT"/>
           </a:p>
@@ -878,7 +919,7 @@
           <a:p>
             <a:fld id="{3BDD3D5A-8E67-5243-BC2D-59F88EBAE7D4}" type="datetimeFigureOut">
               <a:rPr lang="en-IT" smtClean="0"/>
-              <a:t>31/10/23</a:t>
+              <a:t>16/12/23</a:t>
             </a:fld>
             <a:endParaRPr lang="en-IT"/>
           </a:p>
@@ -1154,7 +1195,7 @@
           <a:p>
             <a:fld id="{3BDD3D5A-8E67-5243-BC2D-59F88EBAE7D4}" type="datetimeFigureOut">
               <a:rPr lang="en-IT" smtClean="0"/>
-              <a:t>31/10/23</a:t>
+              <a:t>16/12/23</a:t>
             </a:fld>
             <a:endParaRPr lang="en-IT"/>
           </a:p>
@@ -1422,7 +1463,7 @@
           <a:p>
             <a:fld id="{3BDD3D5A-8E67-5243-BC2D-59F88EBAE7D4}" type="datetimeFigureOut">
               <a:rPr lang="en-IT" smtClean="0"/>
-              <a:t>31/10/23</a:t>
+              <a:t>16/12/23</a:t>
             </a:fld>
             <a:endParaRPr lang="en-IT"/>
           </a:p>
@@ -1837,7 +1878,7 @@
           <a:p>
             <a:fld id="{3BDD3D5A-8E67-5243-BC2D-59F88EBAE7D4}" type="datetimeFigureOut">
               <a:rPr lang="en-IT" smtClean="0"/>
-              <a:t>31/10/23</a:t>
+              <a:t>16/12/23</a:t>
             </a:fld>
             <a:endParaRPr lang="en-IT"/>
           </a:p>
@@ -1979,7 +2020,7 @@
           <a:p>
             <a:fld id="{3BDD3D5A-8E67-5243-BC2D-59F88EBAE7D4}" type="datetimeFigureOut">
               <a:rPr lang="en-IT" smtClean="0"/>
-              <a:t>31/10/23</a:t>
+              <a:t>16/12/23</a:t>
             </a:fld>
             <a:endParaRPr lang="en-IT"/>
           </a:p>
@@ -2092,7 +2133,7 @@
           <a:p>
             <a:fld id="{3BDD3D5A-8E67-5243-BC2D-59F88EBAE7D4}" type="datetimeFigureOut">
               <a:rPr lang="en-IT" smtClean="0"/>
-              <a:t>31/10/23</a:t>
+              <a:t>16/12/23</a:t>
             </a:fld>
             <a:endParaRPr lang="en-IT"/>
           </a:p>
@@ -2405,7 +2446,7 @@
           <a:p>
             <a:fld id="{3BDD3D5A-8E67-5243-BC2D-59F88EBAE7D4}" type="datetimeFigureOut">
               <a:rPr lang="en-IT" smtClean="0"/>
-              <a:t>31/10/23</a:t>
+              <a:t>16/12/23</a:t>
             </a:fld>
             <a:endParaRPr lang="en-IT"/>
           </a:p>
@@ -2694,7 +2735,7 @@
           <a:p>
             <a:fld id="{3BDD3D5A-8E67-5243-BC2D-59F88EBAE7D4}" type="datetimeFigureOut">
               <a:rPr lang="en-IT" smtClean="0"/>
-              <a:t>31/10/23</a:t>
+              <a:t>16/12/23</a:t>
             </a:fld>
             <a:endParaRPr lang="en-IT"/>
           </a:p>
@@ -2937,7 +2978,7 @@
           <a:p>
             <a:fld id="{3BDD3D5A-8E67-5243-BC2D-59F88EBAE7D4}" type="datetimeFigureOut">
               <a:rPr lang="en-IT" smtClean="0"/>
-              <a:t>31/10/23</a:t>
+              <a:t>16/12/23</a:t>
             </a:fld>
             <a:endParaRPr lang="en-IT"/>
           </a:p>
@@ -3376,9 +3417,10 @@
           <a:lstStyle/>
           <a:p>
             <a:r>
-              <a:rPr lang="en-IT" dirty="0"/>
-              <a:t>Complementi sulla flessione</a:t>
-            </a:r>
+              <a:rPr lang="en-IT"/>
+              <a:t>Flessione di travi non simmetriche</a:t>
+            </a:r>
+            <a:endParaRPr lang="en-IT" dirty="0"/>
           </a:p>
         </p:txBody>
       </p:sp>
@@ -4492,172 +4534,6 @@
     <p:extLst>
       <p:ext uri="{BB962C8B-B14F-4D97-AF65-F5344CB8AC3E}">
         <p14:creationId xmlns:p14="http://schemas.microsoft.com/office/powerpoint/2010/main" val="1223511845"/>
-      </p:ext>
-    </p:extLst>
-  </p:cSld>
-  <p:clrMapOvr>
-    <a:masterClrMapping/>
-  </p:clrMapOvr>
-</p:sld>
-</file>
-
-<file path=ppt/slides/slide7.xml><?xml version="1.0" encoding="utf-8"?>
-<p:sld xmlns:a="http://schemas.openxmlformats.org/drawingml/2006/main" xmlns:r="http://schemas.openxmlformats.org/officeDocument/2006/relationships" xmlns:p="http://schemas.openxmlformats.org/presentationml/2006/main">
-  <p:cSld>
-    <p:spTree>
-      <p:nvGrpSpPr>
-        <p:cNvPr id="1" name=""/>
-        <p:cNvGrpSpPr/>
-        <p:nvPr/>
-      </p:nvGrpSpPr>
-      <p:grpSpPr>
-        <a:xfrm>
-          <a:off x="0" y="0"/>
-          <a:ext cx="0" cy="0"/>
-          <a:chOff x="0" y="0"/>
-          <a:chExt cx="0" cy="0"/>
-        </a:xfrm>
-      </p:grpSpPr>
-      <p:sp>
-        <p:nvSpPr>
-          <p:cNvPr id="2" name="Title 1">
-            <a:extLst>
-              <a:ext uri="{FF2B5EF4-FFF2-40B4-BE49-F238E27FC236}">
-                <a16:creationId xmlns:a16="http://schemas.microsoft.com/office/drawing/2014/main" id="{0519F620-7693-BE76-5DEE-8CDC04163222}"/>
-              </a:ext>
-            </a:extLst>
-          </p:cNvPr>
-          <p:cNvSpPr>
-            <a:spLocks noGrp="1"/>
-          </p:cNvSpPr>
-          <p:nvPr>
-            <p:ph type="title"/>
-          </p:nvPr>
-        </p:nvSpPr>
-        <p:spPr/>
-        <p:txBody>
-          <a:bodyPr/>
-          <a:lstStyle/>
-          <a:p>
-            <a:r>
-              <a:rPr lang="en-IT" dirty="0"/>
-              <a:t>Flessione di travi non omogenee</a:t>
-            </a:r>
-          </a:p>
-        </p:txBody>
-      </p:sp>
-      <p:sp>
-        <p:nvSpPr>
-          <p:cNvPr id="3" name="Content Placeholder 2">
-            <a:extLst>
-              <a:ext uri="{FF2B5EF4-FFF2-40B4-BE49-F238E27FC236}">
-                <a16:creationId xmlns:a16="http://schemas.microsoft.com/office/drawing/2014/main" id="{BCE559B7-3FEB-E770-558F-7DB5E1AFEB3B}"/>
-              </a:ext>
-            </a:extLst>
-          </p:cNvPr>
-          <p:cNvSpPr>
-            <a:spLocks noGrp="1"/>
-          </p:cNvSpPr>
-          <p:nvPr>
-            <p:ph idx="1"/>
-          </p:nvPr>
-        </p:nvSpPr>
-        <p:spPr/>
-        <p:txBody>
-          <a:bodyPr/>
-          <a:lstStyle/>
-          <a:p>
-            <a:endParaRPr lang="en-IT"/>
-          </a:p>
-        </p:txBody>
-      </p:sp>
-    </p:spTree>
-    <p:extLst>
-      <p:ext uri="{BB962C8B-B14F-4D97-AF65-F5344CB8AC3E}">
-        <p14:creationId xmlns:p14="http://schemas.microsoft.com/office/powerpoint/2010/main" val="1256274895"/>
-      </p:ext>
-    </p:extLst>
-  </p:cSld>
-  <p:clrMapOvr>
-    <a:masterClrMapping/>
-  </p:clrMapOvr>
-</p:sld>
-</file>
-
-<file path=ppt/slides/slide8.xml><?xml version="1.0" encoding="utf-8"?>
-<p:sld xmlns:a="http://schemas.openxmlformats.org/drawingml/2006/main" xmlns:r="http://schemas.openxmlformats.org/officeDocument/2006/relationships" xmlns:p="http://schemas.openxmlformats.org/presentationml/2006/main">
-  <p:cSld>
-    <p:spTree>
-      <p:nvGrpSpPr>
-        <p:cNvPr id="1" name=""/>
-        <p:cNvGrpSpPr/>
-        <p:nvPr/>
-      </p:nvGrpSpPr>
-      <p:grpSpPr>
-        <a:xfrm>
-          <a:off x="0" y="0"/>
-          <a:ext cx="0" cy="0"/>
-          <a:chOff x="0" y="0"/>
-          <a:chExt cx="0" cy="0"/>
-        </a:xfrm>
-      </p:grpSpPr>
-      <p:sp>
-        <p:nvSpPr>
-          <p:cNvPr id="2" name="Title 1">
-            <a:extLst>
-              <a:ext uri="{FF2B5EF4-FFF2-40B4-BE49-F238E27FC236}">
-                <a16:creationId xmlns:a16="http://schemas.microsoft.com/office/drawing/2014/main" id="{97AF7D78-182D-CDF9-A55C-EA61F5DE9243}"/>
-              </a:ext>
-            </a:extLst>
-          </p:cNvPr>
-          <p:cNvSpPr>
-            <a:spLocks noGrp="1"/>
-          </p:cNvSpPr>
-          <p:nvPr>
-            <p:ph type="title"/>
-          </p:nvPr>
-        </p:nvSpPr>
-        <p:spPr/>
-        <p:txBody>
-          <a:bodyPr/>
-          <a:lstStyle/>
-          <a:p>
-            <a:r>
-              <a:rPr lang="en-IT" dirty="0"/>
-              <a:t>Flessione di travi curve</a:t>
-            </a:r>
-          </a:p>
-        </p:txBody>
-      </p:sp>
-      <p:sp>
-        <p:nvSpPr>
-          <p:cNvPr id="3" name="Content Placeholder 2">
-            <a:extLst>
-              <a:ext uri="{FF2B5EF4-FFF2-40B4-BE49-F238E27FC236}">
-                <a16:creationId xmlns:a16="http://schemas.microsoft.com/office/drawing/2014/main" id="{5332CDFE-E967-48FC-454D-B7E9F50740CF}"/>
-              </a:ext>
-            </a:extLst>
-          </p:cNvPr>
-          <p:cNvSpPr>
-            <a:spLocks noGrp="1"/>
-          </p:cNvSpPr>
-          <p:nvPr>
-            <p:ph idx="1"/>
-          </p:nvPr>
-        </p:nvSpPr>
-        <p:spPr/>
-        <p:txBody>
-          <a:bodyPr/>
-          <a:lstStyle/>
-          <a:p>
-            <a:endParaRPr lang="en-IT"/>
-          </a:p>
-        </p:txBody>
-      </p:sp>
-    </p:spTree>
-    <p:extLst>
-      <p:ext uri="{BB962C8B-B14F-4D97-AF65-F5344CB8AC3E}">
-        <p14:creationId xmlns:p14="http://schemas.microsoft.com/office/powerpoint/2010/main" val="1486116907"/>
       </p:ext>
     </p:extLst>
   </p:cSld>
